--- a/Slide.pptx
+++ b/Slide.pptx
@@ -1129,7 +1129,126 @@
               </a:spcAft>
               <a:buNone/>
             </a:pPr>
-            <a:endParaRPr/>
+            <a:r>
+              <a:rPr lang="en-US" dirty="0" err="1"/>
+              <a:t>Tư</a:t>
+            </a:r>
+            <a:r>
+              <a:rPr lang="en-US" dirty="0"/>
+              <a:t>̀ </a:t>
+            </a:r>
+            <a:r>
+              <a:rPr lang="en-US" dirty="0" err="1"/>
+              <a:t>góc</a:t>
+            </a:r>
+            <a:r>
+              <a:rPr lang="en-US" dirty="0"/>
+              <a:t> </a:t>
+            </a:r>
+            <a:r>
+              <a:rPr lang="en-US" dirty="0" err="1"/>
+              <a:t>nhìn</a:t>
+            </a:r>
+            <a:r>
+              <a:rPr lang="en-US" dirty="0"/>
+              <a:t> </a:t>
+            </a:r>
+            <a:r>
+              <a:rPr lang="en-US" dirty="0" err="1"/>
+              <a:t>người</a:t>
+            </a:r>
+            <a:r>
+              <a:rPr lang="en-US" dirty="0"/>
+              <a:t> </a:t>
+            </a:r>
+            <a:r>
+              <a:rPr lang="en-US" dirty="0" err="1"/>
+              <a:t>học</a:t>
+            </a:r>
+            <a:r>
+              <a:rPr lang="en-US" dirty="0"/>
+              <a:t>: </a:t>
+            </a:r>
+            <a:r>
+              <a:rPr lang="en-US" dirty="0" err="1"/>
+              <a:t>thực</a:t>
+            </a:r>
+            <a:r>
+              <a:rPr lang="en-US" dirty="0"/>
+              <a:t> </a:t>
+            </a:r>
+            <a:r>
+              <a:rPr lang="en-US" dirty="0" err="1"/>
+              <a:t>hiện</a:t>
+            </a:r>
+            <a:r>
+              <a:rPr lang="en-US" dirty="0"/>
+              <a:t> </a:t>
+            </a:r>
+            <a:r>
+              <a:rPr lang="en-US" dirty="0" err="1"/>
+              <a:t>ràng</a:t>
+            </a:r>
+            <a:r>
+              <a:rPr lang="en-US" dirty="0"/>
+              <a:t> </a:t>
+            </a:r>
+            <a:r>
+              <a:rPr lang="en-US" dirty="0" err="1"/>
+              <a:t>buộc</a:t>
+            </a:r>
+            <a:r>
+              <a:rPr lang="en-US" dirty="0"/>
+              <a:t>, validate,…</a:t>
+            </a:r>
+          </a:p>
+          <a:p>
+            <a:pPr marL="0" lvl="0" indent="0" algn="l" rtl="0">
+              <a:spcBef>
+                <a:spcPts val="0"/>
+              </a:spcBef>
+              <a:spcAft>
+                <a:spcPts val="0"/>
+              </a:spcAft>
+              <a:buNone/>
+            </a:pPr>
+            <a:r>
+              <a:rPr lang="en-US" dirty="0" err="1"/>
+              <a:t>Trình</a:t>
+            </a:r>
+            <a:r>
+              <a:rPr lang="en-US" dirty="0"/>
+              <a:t> </a:t>
+            </a:r>
+            <a:r>
+              <a:rPr lang="en-US" dirty="0" err="1"/>
+              <a:t>bày</a:t>
+            </a:r>
+            <a:r>
+              <a:rPr lang="en-US" dirty="0"/>
+              <a:t> sẽ </a:t>
+            </a:r>
+            <a:r>
+              <a:rPr lang="en-US" dirty="0" err="1"/>
+              <a:t>theo</a:t>
+            </a:r>
+            <a:r>
+              <a:rPr lang="en-US" dirty="0"/>
+              <a:t> 3 </a:t>
+            </a:r>
+            <a:r>
+              <a:rPr lang="en-US" dirty="0" err="1"/>
+              <a:t>luồng</a:t>
+            </a:r>
+            <a:r>
+              <a:rPr lang="en-US" dirty="0"/>
+              <a:t> </a:t>
+            </a:r>
+            <a:r>
+              <a:rPr lang="en-US" dirty="0" err="1"/>
+              <a:t>này</a:t>
+            </a:r>
+            <a:endParaRPr dirty="0"/>
           </a:p>
         </p:txBody>
       </p:sp>
@@ -1342,7 +1461,91 @@
               </a:spcAft>
               <a:buNone/>
             </a:pPr>
-            <a:endParaRPr/>
+            <a:r>
+              <a:rPr lang="en-US" dirty="0" err="1"/>
+              <a:t>Tư</a:t>
+            </a:r>
+            <a:r>
+              <a:rPr lang="en-US" dirty="0"/>
+              <a:t>̣ </a:t>
+            </a:r>
+            <a:r>
+              <a:rPr lang="en-US" dirty="0" err="1"/>
+              <a:t>xây</a:t>
+            </a:r>
+            <a:r>
+              <a:rPr lang="en-US" dirty="0"/>
+              <a:t> </a:t>
+            </a:r>
+            <a:r>
+              <a:rPr lang="en-US" dirty="0" err="1"/>
+              <a:t>dựng</a:t>
+            </a:r>
+            <a:r>
+              <a:rPr lang="en-US" dirty="0"/>
+              <a:t> template </a:t>
+            </a:r>
+            <a:r>
+              <a:rPr lang="en-US" dirty="0" err="1"/>
+              <a:t>nên</a:t>
+            </a:r>
+            <a:r>
+              <a:rPr lang="en-US" dirty="0"/>
+              <a:t> </a:t>
+            </a:r>
+            <a:r>
+              <a:rPr lang="en-US" dirty="0" err="1"/>
+              <a:t>nos</a:t>
+            </a:r>
+            <a:r>
+              <a:rPr lang="en-US" dirty="0"/>
+              <a:t> </a:t>
+            </a:r>
+            <a:r>
+              <a:rPr lang="en-US" dirty="0" err="1"/>
+              <a:t>trông</a:t>
+            </a:r>
+            <a:r>
+              <a:rPr lang="en-US" dirty="0"/>
+              <a:t> </a:t>
+            </a:r>
+            <a:r>
+              <a:rPr lang="en-US" dirty="0" err="1"/>
+              <a:t>chưa</a:t>
+            </a:r>
+            <a:r>
+              <a:rPr lang="en-US" dirty="0"/>
+              <a:t> </a:t>
+            </a:r>
+            <a:r>
+              <a:rPr lang="en-US" dirty="0" err="1"/>
+              <a:t>giống</a:t>
+            </a:r>
+            <a:r>
+              <a:rPr lang="en-US" dirty="0"/>
+              <a:t> 1 web </a:t>
+            </a:r>
+            <a:r>
+              <a:rPr lang="en-US" dirty="0" err="1"/>
+              <a:t>của</a:t>
+            </a:r>
+            <a:r>
+              <a:rPr lang="en-US" dirty="0"/>
+              <a:t> </a:t>
+            </a:r>
+            <a:r>
+              <a:rPr lang="en-US" dirty="0" err="1"/>
+              <a:t>hãng</a:t>
+            </a:r>
+            <a:r>
+              <a:rPr lang="en-US" dirty="0"/>
+              <a:t> </a:t>
+            </a:r>
+            <a:r>
+              <a:rPr lang="en-US" dirty="0" err="1"/>
+              <a:t>hk</a:t>
+            </a:r>
+            <a:endParaRPr dirty="0"/>
           </a:p>
         </p:txBody>
       </p:sp>
@@ -12035,7 +12238,7 @@
                             </p:stCondLst>
                             <p:childTnLst>
                               <p:par>
-                                <p:cTn id="5" presetID="2" presetClass="entr" presetSubtype="1" fill="hold" nodeType="withEffect">
+                                <p:cTn id="5" presetID="1" presetClass="exit" presetSubtype="0" fill="hold" grpId="2" nodeType="withEffect">
                                   <p:stCondLst>
                                     <p:cond delay="0"/>
                                   </p:stCondLst>
@@ -12043,225 +12246,6 @@
                                     <p:set>
                                       <p:cBhvr>
                                         <p:cTn id="6" dur="1" fill="hold">
-                                          <p:stCondLst>
-                                            <p:cond delay="0"/>
-                                          </p:stCondLst>
-                                        </p:cTn>
-                                        <p:tgtEl>
-                                          <p:spTgt spid="4"/>
-                                        </p:tgtEl>
-                                        <p:attrNameLst>
-                                          <p:attrName>style.visibility</p:attrName>
-                                        </p:attrNameLst>
-                                      </p:cBhvr>
-                                      <p:to>
-                                        <p:strVal val="visible"/>
-                                      </p:to>
-                                    </p:set>
-                                    <p:anim calcmode="lin" valueType="num">
-                                      <p:cBhvr additive="base">
-                                        <p:cTn id="7" dur="500" fill="hold"/>
-                                        <p:tgtEl>
-                                          <p:spTgt spid="4"/>
-                                        </p:tgtEl>
-                                        <p:attrNameLst>
-                                          <p:attrName>ppt_x</p:attrName>
-                                        </p:attrNameLst>
-                                      </p:cBhvr>
-                                      <p:tavLst>
-                                        <p:tav tm="0">
-                                          <p:val>
-                                            <p:strVal val="#ppt_x"/>
-                                          </p:val>
-                                        </p:tav>
-                                        <p:tav tm="100000">
-                                          <p:val>
-                                            <p:strVal val="#ppt_x"/>
-                                          </p:val>
-                                        </p:tav>
-                                      </p:tavLst>
-                                    </p:anim>
-                                    <p:anim calcmode="lin" valueType="num">
-                                      <p:cBhvr additive="base">
-                                        <p:cTn id="8" dur="500" fill="hold"/>
-                                        <p:tgtEl>
-                                          <p:spTgt spid="4"/>
-                                        </p:tgtEl>
-                                        <p:attrNameLst>
-                                          <p:attrName>ppt_y</p:attrName>
-                                        </p:attrNameLst>
-                                      </p:cBhvr>
-                                      <p:tavLst>
-                                        <p:tav tm="0">
-                                          <p:val>
-                                            <p:strVal val="0-#ppt_h/2"/>
-                                          </p:val>
-                                        </p:tav>
-                                        <p:tav tm="100000">
-                                          <p:val>
-                                            <p:strVal val="#ppt_y"/>
-                                          </p:val>
-                                        </p:tav>
-                                      </p:tavLst>
-                                    </p:anim>
-                                  </p:childTnLst>
-                                </p:cTn>
-                              </p:par>
-                              <p:par>
-                                <p:cTn id="9" presetID="2" presetClass="entr" presetSubtype="4" fill="hold" nodeType="withEffect">
-                                  <p:stCondLst>
-                                    <p:cond delay="0"/>
-                                  </p:stCondLst>
-                                  <p:childTnLst>
-                                    <p:set>
-                                      <p:cBhvr>
-                                        <p:cTn id="10" dur="1" fill="hold">
-                                          <p:stCondLst>
-                                            <p:cond delay="0"/>
-                                          </p:stCondLst>
-                                        </p:cTn>
-                                        <p:tgtEl>
-                                          <p:spTgt spid="7"/>
-                                        </p:tgtEl>
-                                        <p:attrNameLst>
-                                          <p:attrName>style.visibility</p:attrName>
-                                        </p:attrNameLst>
-                                      </p:cBhvr>
-                                      <p:to>
-                                        <p:strVal val="visible"/>
-                                      </p:to>
-                                    </p:set>
-                                    <p:anim calcmode="lin" valueType="num">
-                                      <p:cBhvr additive="base">
-                                        <p:cTn id="11" dur="500" fill="hold"/>
-                                        <p:tgtEl>
-                                          <p:spTgt spid="7"/>
-                                        </p:tgtEl>
-                                        <p:attrNameLst>
-                                          <p:attrName>ppt_x</p:attrName>
-                                        </p:attrNameLst>
-                                      </p:cBhvr>
-                                      <p:tavLst>
-                                        <p:tav tm="0">
-                                          <p:val>
-                                            <p:strVal val="#ppt_x"/>
-                                          </p:val>
-                                        </p:tav>
-                                        <p:tav tm="100000">
-                                          <p:val>
-                                            <p:strVal val="#ppt_x"/>
-                                          </p:val>
-                                        </p:tav>
-                                      </p:tavLst>
-                                    </p:anim>
-                                    <p:anim calcmode="lin" valueType="num">
-                                      <p:cBhvr additive="base">
-                                        <p:cTn id="12" dur="500" fill="hold"/>
-                                        <p:tgtEl>
-                                          <p:spTgt spid="7"/>
-                                        </p:tgtEl>
-                                        <p:attrNameLst>
-                                          <p:attrName>ppt_y</p:attrName>
-                                        </p:attrNameLst>
-                                      </p:cBhvr>
-                                      <p:tavLst>
-                                        <p:tav tm="0">
-                                          <p:val>
-                                            <p:strVal val="1+#ppt_h/2"/>
-                                          </p:val>
-                                        </p:tav>
-                                        <p:tav tm="100000">
-                                          <p:val>
-                                            <p:strVal val="#ppt_y"/>
-                                          </p:val>
-                                        </p:tav>
-                                      </p:tavLst>
-                                    </p:anim>
-                                  </p:childTnLst>
-                                </p:cTn>
-                              </p:par>
-                              <p:par>
-                                <p:cTn id="13" presetID="2" presetClass="entr" presetSubtype="8" fill="hold" grpId="0" nodeType="withEffect">
-                                  <p:stCondLst>
-                                    <p:cond delay="0"/>
-                                  </p:stCondLst>
-                                  <p:childTnLst>
-                                    <p:set>
-                                      <p:cBhvr>
-                                        <p:cTn id="14" dur="1" fill="hold">
-                                          <p:stCondLst>
-                                            <p:cond delay="0"/>
-                                          </p:stCondLst>
-                                        </p:cTn>
-                                        <p:tgtEl>
-                                          <p:spTgt spid="12"/>
-                                        </p:tgtEl>
-                                        <p:attrNameLst>
-                                          <p:attrName>style.visibility</p:attrName>
-                                        </p:attrNameLst>
-                                      </p:cBhvr>
-                                      <p:to>
-                                        <p:strVal val="visible"/>
-                                      </p:to>
-                                    </p:set>
-                                    <p:anim calcmode="lin" valueType="num">
-                                      <p:cBhvr additive="base">
-                                        <p:cTn id="15" dur="500" fill="hold"/>
-                                        <p:tgtEl>
-                                          <p:spTgt spid="12"/>
-                                        </p:tgtEl>
-                                        <p:attrNameLst>
-                                          <p:attrName>ppt_x</p:attrName>
-                                        </p:attrNameLst>
-                                      </p:cBhvr>
-                                      <p:tavLst>
-                                        <p:tav tm="0">
-                                          <p:val>
-                                            <p:strVal val="0-#ppt_w/2"/>
-                                          </p:val>
-                                        </p:tav>
-                                        <p:tav tm="100000">
-                                          <p:val>
-                                            <p:strVal val="#ppt_x"/>
-                                          </p:val>
-                                        </p:tav>
-                                      </p:tavLst>
-                                    </p:anim>
-                                    <p:anim calcmode="lin" valueType="num">
-                                      <p:cBhvr additive="base">
-                                        <p:cTn id="16" dur="500" fill="hold"/>
-                                        <p:tgtEl>
-                                          <p:spTgt spid="12"/>
-                                        </p:tgtEl>
-                                        <p:attrNameLst>
-                                          <p:attrName>ppt_y</p:attrName>
-                                        </p:attrNameLst>
-                                      </p:cBhvr>
-                                      <p:tavLst>
-                                        <p:tav tm="0">
-                                          <p:val>
-                                            <p:strVal val="#ppt_y"/>
-                                          </p:val>
-                                        </p:tav>
-                                        <p:tav tm="100000">
-                                          <p:val>
-                                            <p:strVal val="#ppt_y"/>
-                                          </p:val>
-                                        </p:tav>
-                                      </p:tavLst>
-                                    </p:anim>
-                                  </p:childTnLst>
-                                </p:cTn>
-                              </p:par>
-                              <p:par>
-                                <p:cTn id="17" presetID="1" presetClass="exit" presetSubtype="0" fill="hold" grpId="0" nodeType="withEffect">
-                                  <p:stCondLst>
-                                    <p:cond delay="0"/>
-                                  </p:stCondLst>
-                                  <p:childTnLst>
-                                    <p:set>
-                                      <p:cBhvr>
-                                        <p:cTn id="18" dur="1" fill="hold">
                                           <p:stCondLst>
                                             <p:cond delay="0"/>
                                           </p:stCondLst>
@@ -12281,14 +12265,14 @@
                                 </p:cTn>
                               </p:par>
                               <p:par>
-                                <p:cTn id="19" presetID="1" presetClass="exit" presetSubtype="0" fill="hold" grpId="0" nodeType="withEffect">
+                                <p:cTn id="7" presetID="1" presetClass="exit" presetSubtype="0" fill="hold" grpId="3" nodeType="withEffect">
                                   <p:stCondLst>
                                     <p:cond delay="0"/>
                                   </p:stCondLst>
                                   <p:childTnLst>
                                     <p:set>
                                       <p:cBhvr>
-                                        <p:cTn id="20" dur="1" fill="hold">
+                                        <p:cTn id="8" dur="1" fill="hold">
                                           <p:stCondLst>
                                             <p:cond delay="0"/>
                                           </p:stCondLst>
@@ -12312,14 +12296,14 @@
                                 </p:cTn>
                               </p:par>
                               <p:par>
-                                <p:cTn id="21" presetID="1" presetClass="exit" presetSubtype="0" fill="hold" grpId="0" nodeType="withEffect">
+                                <p:cTn id="9" presetID="1" presetClass="exit" presetSubtype="0" fill="hold" grpId="3" nodeType="withEffect">
                                   <p:stCondLst>
                                     <p:cond delay="0"/>
                                   </p:stCondLst>
                                   <p:childTnLst>
                                     <p:set>
                                       <p:cBhvr>
-                                        <p:cTn id="22" dur="1" fill="hold">
+                                        <p:cTn id="10" dur="1" fill="hold">
                                           <p:stCondLst>
                                             <p:cond delay="0"/>
                                           </p:stCondLst>
@@ -12343,14 +12327,14 @@
                                 </p:cTn>
                               </p:par>
                               <p:par>
-                                <p:cTn id="23" presetID="1" presetClass="exit" presetSubtype="0" fill="hold" grpId="0" nodeType="withEffect">
+                                <p:cTn id="11" presetID="1" presetClass="exit" presetSubtype="0" fill="hold" grpId="3" nodeType="withEffect">
                                   <p:stCondLst>
                                     <p:cond delay="0"/>
                                   </p:stCondLst>
                                   <p:childTnLst>
                                     <p:set>
                                       <p:cBhvr>
-                                        <p:cTn id="24" dur="1" fill="hold">
+                                        <p:cTn id="12" dur="1" fill="hold">
                                           <p:stCondLst>
                                             <p:cond delay="0"/>
                                           </p:stCondLst>
@@ -12380,19 +12364,238 @@
                     </p:cTn>
                   </p:par>
                   <p:par>
-                    <p:cTn id="25" fill="hold">
+                    <p:cTn id="13" fill="hold">
                       <p:stCondLst>
                         <p:cond delay="indefinite"/>
                       </p:stCondLst>
                       <p:childTnLst>
                         <p:par>
-                          <p:cTn id="26" fill="hold">
+                          <p:cTn id="14" fill="hold">
                             <p:stCondLst>
                               <p:cond delay="0"/>
                             </p:stCondLst>
                             <p:childTnLst>
                               <p:par>
-                                <p:cTn id="27" presetID="16" presetClass="entr" presetSubtype="21" fill="hold" grpId="1" nodeType="clickEffect">
+                                <p:cTn id="15" presetID="2" presetClass="entr" presetSubtype="1" fill="hold" nodeType="clickEffect">
+                                  <p:stCondLst>
+                                    <p:cond delay="0"/>
+                                  </p:stCondLst>
+                                  <p:childTnLst>
+                                    <p:set>
+                                      <p:cBhvr>
+                                        <p:cTn id="16" dur="1" fill="hold">
+                                          <p:stCondLst>
+                                            <p:cond delay="0"/>
+                                          </p:stCondLst>
+                                        </p:cTn>
+                                        <p:tgtEl>
+                                          <p:spTgt spid="4"/>
+                                        </p:tgtEl>
+                                        <p:attrNameLst>
+                                          <p:attrName>style.visibility</p:attrName>
+                                        </p:attrNameLst>
+                                      </p:cBhvr>
+                                      <p:to>
+                                        <p:strVal val="visible"/>
+                                      </p:to>
+                                    </p:set>
+                                    <p:anim calcmode="lin" valueType="num">
+                                      <p:cBhvr additive="base">
+                                        <p:cTn id="17" dur="500" fill="hold"/>
+                                        <p:tgtEl>
+                                          <p:spTgt spid="4"/>
+                                        </p:tgtEl>
+                                        <p:attrNameLst>
+                                          <p:attrName>ppt_x</p:attrName>
+                                        </p:attrNameLst>
+                                      </p:cBhvr>
+                                      <p:tavLst>
+                                        <p:tav tm="0">
+                                          <p:val>
+                                            <p:strVal val="#ppt_x"/>
+                                          </p:val>
+                                        </p:tav>
+                                        <p:tav tm="100000">
+                                          <p:val>
+                                            <p:strVal val="#ppt_x"/>
+                                          </p:val>
+                                        </p:tav>
+                                      </p:tavLst>
+                                    </p:anim>
+                                    <p:anim calcmode="lin" valueType="num">
+                                      <p:cBhvr additive="base">
+                                        <p:cTn id="18" dur="500" fill="hold"/>
+                                        <p:tgtEl>
+                                          <p:spTgt spid="4"/>
+                                        </p:tgtEl>
+                                        <p:attrNameLst>
+                                          <p:attrName>ppt_y</p:attrName>
+                                        </p:attrNameLst>
+                                      </p:cBhvr>
+                                      <p:tavLst>
+                                        <p:tav tm="0">
+                                          <p:val>
+                                            <p:strVal val="0-#ppt_h/2"/>
+                                          </p:val>
+                                        </p:tav>
+                                        <p:tav tm="100000">
+                                          <p:val>
+                                            <p:strVal val="#ppt_y"/>
+                                          </p:val>
+                                        </p:tav>
+                                      </p:tavLst>
+                                    </p:anim>
+                                  </p:childTnLst>
+                                </p:cTn>
+                              </p:par>
+                              <p:par>
+                                <p:cTn id="19" presetID="2" presetClass="entr" presetSubtype="4" fill="hold" nodeType="withEffect">
+                                  <p:stCondLst>
+                                    <p:cond delay="0"/>
+                                  </p:stCondLst>
+                                  <p:childTnLst>
+                                    <p:set>
+                                      <p:cBhvr>
+                                        <p:cTn id="20" dur="1" fill="hold">
+                                          <p:stCondLst>
+                                            <p:cond delay="0"/>
+                                          </p:stCondLst>
+                                        </p:cTn>
+                                        <p:tgtEl>
+                                          <p:spTgt spid="7"/>
+                                        </p:tgtEl>
+                                        <p:attrNameLst>
+                                          <p:attrName>style.visibility</p:attrName>
+                                        </p:attrNameLst>
+                                      </p:cBhvr>
+                                      <p:to>
+                                        <p:strVal val="visible"/>
+                                      </p:to>
+                                    </p:set>
+                                    <p:anim calcmode="lin" valueType="num">
+                                      <p:cBhvr additive="base">
+                                        <p:cTn id="21" dur="500" fill="hold"/>
+                                        <p:tgtEl>
+                                          <p:spTgt spid="7"/>
+                                        </p:tgtEl>
+                                        <p:attrNameLst>
+                                          <p:attrName>ppt_x</p:attrName>
+                                        </p:attrNameLst>
+                                      </p:cBhvr>
+                                      <p:tavLst>
+                                        <p:tav tm="0">
+                                          <p:val>
+                                            <p:strVal val="#ppt_x"/>
+                                          </p:val>
+                                        </p:tav>
+                                        <p:tav tm="100000">
+                                          <p:val>
+                                            <p:strVal val="#ppt_x"/>
+                                          </p:val>
+                                        </p:tav>
+                                      </p:tavLst>
+                                    </p:anim>
+                                    <p:anim calcmode="lin" valueType="num">
+                                      <p:cBhvr additive="base">
+                                        <p:cTn id="22" dur="500" fill="hold"/>
+                                        <p:tgtEl>
+                                          <p:spTgt spid="7"/>
+                                        </p:tgtEl>
+                                        <p:attrNameLst>
+                                          <p:attrName>ppt_y</p:attrName>
+                                        </p:attrNameLst>
+                                      </p:cBhvr>
+                                      <p:tavLst>
+                                        <p:tav tm="0">
+                                          <p:val>
+                                            <p:strVal val="1+#ppt_h/2"/>
+                                          </p:val>
+                                        </p:tav>
+                                        <p:tav tm="100000">
+                                          <p:val>
+                                            <p:strVal val="#ppt_y"/>
+                                          </p:val>
+                                        </p:tav>
+                                      </p:tavLst>
+                                    </p:anim>
+                                  </p:childTnLst>
+                                </p:cTn>
+                              </p:par>
+                              <p:par>
+                                <p:cTn id="23" presetID="2" presetClass="entr" presetSubtype="8" fill="hold" grpId="0" nodeType="withEffect">
+                                  <p:stCondLst>
+                                    <p:cond delay="0"/>
+                                  </p:stCondLst>
+                                  <p:childTnLst>
+                                    <p:set>
+                                      <p:cBhvr>
+                                        <p:cTn id="24" dur="1" fill="hold">
+                                          <p:stCondLst>
+                                            <p:cond delay="0"/>
+                                          </p:stCondLst>
+                                        </p:cTn>
+                                        <p:tgtEl>
+                                          <p:spTgt spid="12"/>
+                                        </p:tgtEl>
+                                        <p:attrNameLst>
+                                          <p:attrName>style.visibility</p:attrName>
+                                        </p:attrNameLst>
+                                      </p:cBhvr>
+                                      <p:to>
+                                        <p:strVal val="visible"/>
+                                      </p:to>
+                                    </p:set>
+                                    <p:anim calcmode="lin" valueType="num">
+                                      <p:cBhvr additive="base">
+                                        <p:cTn id="25" dur="500" fill="hold"/>
+                                        <p:tgtEl>
+                                          <p:spTgt spid="12"/>
+                                        </p:tgtEl>
+                                        <p:attrNameLst>
+                                          <p:attrName>ppt_x</p:attrName>
+                                        </p:attrNameLst>
+                                      </p:cBhvr>
+                                      <p:tavLst>
+                                        <p:tav tm="0">
+                                          <p:val>
+                                            <p:strVal val="0-#ppt_w/2"/>
+                                          </p:val>
+                                        </p:tav>
+                                        <p:tav tm="100000">
+                                          <p:val>
+                                            <p:strVal val="#ppt_x"/>
+                                          </p:val>
+                                        </p:tav>
+                                      </p:tavLst>
+                                    </p:anim>
+                                    <p:anim calcmode="lin" valueType="num">
+                                      <p:cBhvr additive="base">
+                                        <p:cTn id="26" dur="500" fill="hold"/>
+                                        <p:tgtEl>
+                                          <p:spTgt spid="12"/>
+                                        </p:tgtEl>
+                                        <p:attrNameLst>
+                                          <p:attrName>ppt_y</p:attrName>
+                                        </p:attrNameLst>
+                                      </p:cBhvr>
+                                      <p:tavLst>
+                                        <p:tav tm="0">
+                                          <p:val>
+                                            <p:strVal val="#ppt_y"/>
+                                          </p:val>
+                                        </p:tav>
+                                        <p:tav tm="100000">
+                                          <p:val>
+                                            <p:strVal val="#ppt_y"/>
+                                          </p:val>
+                                        </p:tav>
+                                      </p:tavLst>
+                                    </p:anim>
+                                  </p:childTnLst>
+                                </p:cTn>
+                              </p:par>
+                              <p:par>
+                                <p:cTn id="27" presetID="1" presetClass="exit" presetSubtype="0" fill="hold" grpId="0" nodeType="withEffect">
                                   <p:stCondLst>
                                     <p:cond delay="0"/>
                                   </p:stCondLst>
@@ -12412,29 +12615,21 @@
                                         </p:attrNameLst>
                                       </p:cBhvr>
                                       <p:to>
-                                        <p:strVal val="visible"/>
+                                        <p:strVal val="hidden"/>
                                       </p:to>
                                     </p:set>
-                                    <p:animEffect transition="in" filter="barn(inVertical)">
-                                      <p:cBhvr>
-                                        <p:cTn id="29" dur="500"/>
-                                        <p:tgtEl>
-                                          <p:spTgt spid="228"/>
-                                        </p:tgtEl>
-                                      </p:cBhvr>
-                                    </p:animEffect>
                                   </p:childTnLst>
                                 </p:cTn>
                               </p:par>
                               <p:par>
-                                <p:cTn id="30" presetID="1" presetClass="exit" presetSubtype="0" fill="hold" grpId="1" nodeType="withEffect">
+                                <p:cTn id="29" presetID="1" presetClass="exit" presetSubtype="0" fill="hold" grpId="0" nodeType="withEffect">
                                   <p:stCondLst>
                                     <p:cond delay="0"/>
                                   </p:stCondLst>
                                   <p:childTnLst>
                                     <p:set>
                                       <p:cBhvr>
-                                        <p:cTn id="31" dur="1" fill="hold">
+                                        <p:cTn id="30" dur="1" fill="hold">
                                           <p:stCondLst>
                                             <p:cond delay="0"/>
                                           </p:stCondLst>
@@ -12458,14 +12653,14 @@
                                 </p:cTn>
                               </p:par>
                               <p:par>
-                                <p:cTn id="32" presetID="1" presetClass="exit" presetSubtype="0" fill="hold" grpId="1" nodeType="withEffect">
+                                <p:cTn id="31" presetID="1" presetClass="exit" presetSubtype="0" fill="hold" grpId="0" nodeType="withEffect">
                                   <p:stCondLst>
                                     <p:cond delay="0"/>
                                   </p:stCondLst>
                                   <p:childTnLst>
                                     <p:set>
                                       <p:cBhvr>
-                                        <p:cTn id="33" dur="1" fill="hold">
+                                        <p:cTn id="32" dur="1" fill="hold">
                                           <p:stCondLst>
                                             <p:cond delay="0"/>
                                           </p:stCondLst>
@@ -12489,14 +12684,14 @@
                                 </p:cTn>
                               </p:par>
                               <p:par>
-                                <p:cTn id="34" presetID="1" presetClass="exit" presetSubtype="0" fill="hold" grpId="1" nodeType="withEffect">
+                                <p:cTn id="33" presetID="1" presetClass="exit" presetSubtype="0" fill="hold" grpId="0" nodeType="withEffect">
                                   <p:stCondLst>
                                     <p:cond delay="0"/>
                                   </p:stCondLst>
                                   <p:childTnLst>
                                     <p:set>
                                       <p:cBhvr>
-                                        <p:cTn id="35" dur="1" fill="hold">
+                                        <p:cTn id="34" dur="1" fill="hold">
                                           <p:stCondLst>
                                             <p:cond delay="0"/>
                                           </p:stCondLst>
@@ -12526,26 +12721,172 @@
                     </p:cTn>
                   </p:par>
                   <p:par>
-                    <p:cTn id="36" fill="hold">
+                    <p:cTn id="35" fill="hold">
                       <p:stCondLst>
                         <p:cond delay="indefinite"/>
                       </p:stCondLst>
                       <p:childTnLst>
                         <p:par>
-                          <p:cTn id="37" fill="hold">
+                          <p:cTn id="36" fill="hold">
                             <p:stCondLst>
                               <p:cond delay="0"/>
                             </p:stCondLst>
                             <p:childTnLst>
                               <p:par>
-                                <p:cTn id="38" presetID="53" presetClass="entr" presetSubtype="16" fill="hold" grpId="2" nodeType="clickEffect">
+                                <p:cTn id="37" presetID="16" presetClass="entr" presetSubtype="21" fill="hold" grpId="1" nodeType="clickEffect">
                                   <p:stCondLst>
                                     <p:cond delay="0"/>
                                   </p:stCondLst>
                                   <p:childTnLst>
                                     <p:set>
                                       <p:cBhvr>
-                                        <p:cTn id="39" dur="1" fill="hold">
+                                        <p:cTn id="38" dur="1" fill="hold">
+                                          <p:stCondLst>
+                                            <p:cond delay="0"/>
+                                          </p:stCondLst>
+                                        </p:cTn>
+                                        <p:tgtEl>
+                                          <p:spTgt spid="228"/>
+                                        </p:tgtEl>
+                                        <p:attrNameLst>
+                                          <p:attrName>style.visibility</p:attrName>
+                                        </p:attrNameLst>
+                                      </p:cBhvr>
+                                      <p:to>
+                                        <p:strVal val="visible"/>
+                                      </p:to>
+                                    </p:set>
+                                    <p:animEffect transition="in" filter="barn(inVertical)">
+                                      <p:cBhvr>
+                                        <p:cTn id="39" dur="500"/>
+                                        <p:tgtEl>
+                                          <p:spTgt spid="228"/>
+                                        </p:tgtEl>
+                                      </p:cBhvr>
+                                    </p:animEffect>
+                                  </p:childTnLst>
+                                </p:cTn>
+                              </p:par>
+                              <p:par>
+                                <p:cTn id="40" presetID="1" presetClass="exit" presetSubtype="0" fill="hold" grpId="1" nodeType="withEffect">
+                                  <p:stCondLst>
+                                    <p:cond delay="0"/>
+                                  </p:stCondLst>
+                                  <p:childTnLst>
+                                    <p:set>
+                                      <p:cBhvr>
+                                        <p:cTn id="41" dur="1" fill="hold">
+                                          <p:stCondLst>
+                                            <p:cond delay="0"/>
+                                          </p:stCondLst>
+                                        </p:cTn>
+                                        <p:tgtEl>
+                                          <p:spTgt spid="229">
+                                            <p:txEl>
+                                              <p:pRg st="0" end="0"/>
+                                            </p:txEl>
+                                          </p:spTgt>
+                                        </p:tgtEl>
+                                        <p:attrNameLst>
+                                          <p:attrName>style.visibility</p:attrName>
+                                        </p:attrNameLst>
+                                      </p:cBhvr>
+                                      <p:to>
+                                        <p:strVal val="hidden"/>
+                                      </p:to>
+                                    </p:set>
+                                  </p:childTnLst>
+                                </p:cTn>
+                              </p:par>
+                              <p:par>
+                                <p:cTn id="42" presetID="1" presetClass="exit" presetSubtype="0" fill="hold" grpId="1" nodeType="withEffect">
+                                  <p:stCondLst>
+                                    <p:cond delay="0"/>
+                                  </p:stCondLst>
+                                  <p:childTnLst>
+                                    <p:set>
+                                      <p:cBhvr>
+                                        <p:cTn id="43" dur="1" fill="hold">
+                                          <p:stCondLst>
+                                            <p:cond delay="0"/>
+                                          </p:stCondLst>
+                                        </p:cTn>
+                                        <p:tgtEl>
+                                          <p:spTgt spid="229">
+                                            <p:txEl>
+                                              <p:pRg st="1" end="1"/>
+                                            </p:txEl>
+                                          </p:spTgt>
+                                        </p:tgtEl>
+                                        <p:attrNameLst>
+                                          <p:attrName>style.visibility</p:attrName>
+                                        </p:attrNameLst>
+                                      </p:cBhvr>
+                                      <p:to>
+                                        <p:strVal val="hidden"/>
+                                      </p:to>
+                                    </p:set>
+                                  </p:childTnLst>
+                                </p:cTn>
+                              </p:par>
+                              <p:par>
+                                <p:cTn id="44" presetID="1" presetClass="exit" presetSubtype="0" fill="hold" grpId="1" nodeType="withEffect">
+                                  <p:stCondLst>
+                                    <p:cond delay="0"/>
+                                  </p:stCondLst>
+                                  <p:childTnLst>
+                                    <p:set>
+                                      <p:cBhvr>
+                                        <p:cTn id="45" dur="1" fill="hold">
+                                          <p:stCondLst>
+                                            <p:cond delay="0"/>
+                                          </p:stCondLst>
+                                        </p:cTn>
+                                        <p:tgtEl>
+                                          <p:spTgt spid="229">
+                                            <p:txEl>
+                                              <p:pRg st="2" end="2"/>
+                                            </p:txEl>
+                                          </p:spTgt>
+                                        </p:tgtEl>
+                                        <p:attrNameLst>
+                                          <p:attrName>style.visibility</p:attrName>
+                                        </p:attrNameLst>
+                                      </p:cBhvr>
+                                      <p:to>
+                                        <p:strVal val="hidden"/>
+                                      </p:to>
+                                    </p:set>
+                                  </p:childTnLst>
+                                </p:cTn>
+                              </p:par>
+                            </p:childTnLst>
+                          </p:cTn>
+                        </p:par>
+                      </p:childTnLst>
+                    </p:cTn>
+                  </p:par>
+                  <p:par>
+                    <p:cTn id="46" fill="hold">
+                      <p:stCondLst>
+                        <p:cond delay="indefinite"/>
+                      </p:stCondLst>
+                      <p:childTnLst>
+                        <p:par>
+                          <p:cTn id="47" fill="hold">
+                            <p:stCondLst>
+                              <p:cond delay="0"/>
+                            </p:stCondLst>
+                            <p:childTnLst>
+                              <p:par>
+                                <p:cTn id="48" presetID="53" presetClass="entr" presetSubtype="16" fill="hold" grpId="2" nodeType="clickEffect">
+                                  <p:stCondLst>
+                                    <p:cond delay="0"/>
+                                  </p:stCondLst>
+                                  <p:childTnLst>
+                                    <p:set>
+                                      <p:cBhvr>
+                                        <p:cTn id="49" dur="1" fill="hold">
                                           <p:stCondLst>
                                             <p:cond delay="0"/>
                                           </p:stCondLst>
@@ -12567,7 +12908,7 @@
                                     </p:set>
                                     <p:anim calcmode="lin" valueType="num">
                                       <p:cBhvr>
-                                        <p:cTn id="40" dur="500" fill="hold"/>
+                                        <p:cTn id="50" dur="500" fill="hold"/>
                                         <p:tgtEl>
                                           <p:spTgt spid="229">
                                             <p:txEl>
@@ -12594,7 +12935,7 @@
                                     </p:anim>
                                     <p:anim calcmode="lin" valueType="num">
                                       <p:cBhvr>
-                                        <p:cTn id="41" dur="500" fill="hold"/>
+                                        <p:cTn id="51" dur="500" fill="hold"/>
                                         <p:tgtEl>
                                           <p:spTgt spid="229">
                                             <p:txEl>
@@ -12621,7 +12962,7 @@
                                     </p:anim>
                                     <p:animEffect transition="in" filter="fade">
                                       <p:cBhvr>
-                                        <p:cTn id="42" dur="500"/>
+                                        <p:cTn id="52" dur="500"/>
                                         <p:tgtEl>
                                           <p:spTgt spid="229">
                                             <p:txEl>
@@ -12638,20 +12979,20 @@
                           </p:cTn>
                         </p:par>
                         <p:par>
-                          <p:cTn id="43" fill="hold">
+                          <p:cTn id="53" fill="hold">
                             <p:stCondLst>
                               <p:cond delay="500"/>
                             </p:stCondLst>
                             <p:childTnLst>
                               <p:par>
-                                <p:cTn id="44" presetID="53" presetClass="entr" presetSubtype="16" fill="hold" grpId="2" nodeType="afterEffect">
+                                <p:cTn id="54" presetID="53" presetClass="entr" presetSubtype="16" fill="hold" grpId="2" nodeType="afterEffect">
                                   <p:stCondLst>
                                     <p:cond delay="0"/>
                                   </p:stCondLst>
                                   <p:childTnLst>
                                     <p:set>
                                       <p:cBhvr>
-                                        <p:cTn id="45" dur="1" fill="hold">
+                                        <p:cTn id="55" dur="1" fill="hold">
                                           <p:stCondLst>
                                             <p:cond delay="0"/>
                                           </p:stCondLst>
@@ -12673,7 +13014,7 @@
                                     </p:set>
                                     <p:anim calcmode="lin" valueType="num">
                                       <p:cBhvr>
-                                        <p:cTn id="46" dur="500" fill="hold"/>
+                                        <p:cTn id="56" dur="500" fill="hold"/>
                                         <p:tgtEl>
                                           <p:spTgt spid="229">
                                             <p:txEl>
@@ -12700,7 +13041,7 @@
                                     </p:anim>
                                     <p:anim calcmode="lin" valueType="num">
                                       <p:cBhvr>
-                                        <p:cTn id="47" dur="500" fill="hold"/>
+                                        <p:cTn id="57" dur="500" fill="hold"/>
                                         <p:tgtEl>
                                           <p:spTgt spid="229">
                                             <p:txEl>
@@ -12727,7 +13068,7 @@
                                     </p:anim>
                                     <p:animEffect transition="in" filter="fade">
                                       <p:cBhvr>
-                                        <p:cTn id="48" dur="500"/>
+                                        <p:cTn id="58" dur="500"/>
                                         <p:tgtEl>
                                           <p:spTgt spid="229">
                                             <p:txEl>
@@ -12744,20 +13085,20 @@
                           </p:cTn>
                         </p:par>
                         <p:par>
-                          <p:cTn id="49" fill="hold">
+                          <p:cTn id="59" fill="hold">
                             <p:stCondLst>
                               <p:cond delay="1000"/>
                             </p:stCondLst>
                             <p:childTnLst>
                               <p:par>
-                                <p:cTn id="50" presetID="53" presetClass="entr" presetSubtype="16" fill="hold" grpId="2" nodeType="afterEffect">
+                                <p:cTn id="60" presetID="53" presetClass="entr" presetSubtype="16" fill="hold" grpId="2" nodeType="afterEffect">
                                   <p:stCondLst>
                                     <p:cond delay="0"/>
                                   </p:stCondLst>
                                   <p:childTnLst>
                                     <p:set>
                                       <p:cBhvr>
-                                        <p:cTn id="51" dur="1" fill="hold">
+                                        <p:cTn id="61" dur="1" fill="hold">
                                           <p:stCondLst>
                                             <p:cond delay="0"/>
                                           </p:stCondLst>
@@ -12779,7 +13120,7 @@
                                     </p:set>
                                     <p:anim calcmode="lin" valueType="num">
                                       <p:cBhvr>
-                                        <p:cTn id="52" dur="500" fill="hold"/>
+                                        <p:cTn id="62" dur="500" fill="hold"/>
                                         <p:tgtEl>
                                           <p:spTgt spid="229">
                                             <p:txEl>
@@ -12806,7 +13147,7 @@
                                     </p:anim>
                                     <p:anim calcmode="lin" valueType="num">
                                       <p:cBhvr>
-                                        <p:cTn id="53" dur="500" fill="hold"/>
+                                        <p:cTn id="63" dur="500" fill="hold"/>
                                         <p:tgtEl>
                                           <p:spTgt spid="229">
                                             <p:txEl>
@@ -12833,7 +13174,7 @@
                                     </p:anim>
                                     <p:animEffect transition="in" filter="fade">
                                       <p:cBhvr>
-                                        <p:cTn id="54" dur="500"/>
+                                        <p:cTn id="64" dur="500"/>
                                         <p:tgtEl>
                                           <p:spTgt spid="229">
                                             <p:txEl>
@@ -12876,9 +13217,11 @@
     <p:bldLst>
       <p:bldP spid="228" grpId="0"/>
       <p:bldP spid="228" grpId="1"/>
+      <p:bldP spid="228" grpId="2"/>
       <p:bldP spid="229" grpId="0" uiExpand="1" build="p"/>
       <p:bldP spid="229" grpId="1" uiExpand="1" build="p"/>
       <p:bldP spid="229" grpId="2" uiExpand="1" build="p"/>
+      <p:bldP spid="229" grpId="3" build="p"/>
       <p:bldP spid="12" grpId="0"/>
     </p:bldLst>
   </p:timing>
@@ -30099,6 +30442,9 @@
                     <p:cTn id="3" fill="hold">
                       <p:stCondLst>
                         <p:cond delay="indefinite"/>
+                        <p:cond evt="onBegin" delay="0">
+                          <p:tn val="2"/>
+                        </p:cond>
                       </p:stCondLst>
                       <p:childTnLst>
                         <p:par>
@@ -30108,7 +30454,7 @@
                             </p:stCondLst>
                             <p:childTnLst>
                               <p:par>
-                                <p:cTn id="5" presetID="23" presetClass="entr" presetSubtype="16" fill="hold" grpId="0" nodeType="clickEffect">
+                                <p:cTn id="5" presetID="23" presetClass="entr" presetSubtype="16" fill="hold" grpId="0" nodeType="withEffect">
                                   <p:stCondLst>
                                     <p:cond delay="0"/>
                                   </p:stCondLst>
